--- a/Presentation/RAILWAY Presentation1.pptx
+++ b/Presentation/RAILWAY Presentation1.pptx
@@ -10,6 +10,7 @@
     <p:sldId id="258" r:id="rId4"/>
     <p:sldId id="260" r:id="rId5"/>
     <p:sldId id="259" r:id="rId6"/>
+    <p:sldId id="261" r:id="rId7"/>
   </p:sldIdLst>
   <p:sldSz cx="12192000" cy="6858000"/>
   <p:notesSz cx="6858000" cy="9144000"/>
@@ -108,6 +109,11 @@
       </a:defRPr>
     </a:lvl9pPr>
   </p:defaultTextStyle>
+  <p:extLst>
+    <p:ext uri="{EFAFB233-063F-42B5-8137-9DF3F51BA10A}">
+      <p15:sldGuideLst xmlns:p15="http://schemas.microsoft.com/office/powerpoint/2012/main"/>
+    </p:ext>
+  </p:extLst>
 </p:presentation>
 </file>
 
@@ -281,7 +287,7 @@
           <a:p>
             <a:fld id="{48A87A34-81AB-432B-8DAE-1953F412C126}" type="datetimeFigureOut">
               <a:rPr lang="en-US" dirty="0"/>
-              <a:t>3/15/21</a:t>
+              <a:t>3/16/21</a:t>
             </a:fld>
             <a:endParaRPr lang="en-US" dirty="0"/>
           </a:p>
@@ -543,7 +549,7 @@
           <a:p>
             <a:fld id="{48A87A34-81AB-432B-8DAE-1953F412C126}" type="datetimeFigureOut">
               <a:rPr lang="en-US" dirty="0"/>
-              <a:t>3/15/21</a:t>
+              <a:t>3/16/21</a:t>
             </a:fld>
             <a:endParaRPr lang="en-US" dirty="0"/>
           </a:p>
@@ -770,7 +776,7 @@
             <a:fld id="{48A87A34-81AB-432B-8DAE-1953F412C126}" type="datetimeFigureOut">
               <a:rPr lang="en-US" dirty="0"/>
               <a:pPr/>
-              <a:t>3/15/21</a:t>
+              <a:t>3/16/21</a:t>
             </a:fld>
             <a:endParaRPr lang="en-US" dirty="0"/>
           </a:p>
@@ -1076,7 +1082,7 @@
             <a:fld id="{48A87A34-81AB-432B-8DAE-1953F412C126}" type="datetimeFigureOut">
               <a:rPr lang="en-US" dirty="0"/>
               <a:pPr/>
-              <a:t>3/15/21</a:t>
+              <a:t>3/16/21</a:t>
             </a:fld>
             <a:endParaRPr lang="en-US" dirty="0"/>
           </a:p>
@@ -1545,7 +1551,7 @@
             <a:fld id="{48A87A34-81AB-432B-8DAE-1953F412C126}" type="datetimeFigureOut">
               <a:rPr lang="en-US" dirty="0"/>
               <a:pPr/>
-              <a:t>3/15/21</a:t>
+              <a:t>3/16/21</a:t>
             </a:fld>
             <a:endParaRPr lang="en-US" dirty="0"/>
           </a:p>
@@ -2087,7 +2093,7 @@
           <a:p>
             <a:fld id="{48A87A34-81AB-432B-8DAE-1953F412C126}" type="datetimeFigureOut">
               <a:rPr lang="en-US" dirty="0"/>
-              <a:t>3/15/21</a:t>
+              <a:t>3/16/21</a:t>
             </a:fld>
             <a:endParaRPr lang="en-US" dirty="0"/>
           </a:p>
@@ -2856,7 +2862,7 @@
           <a:p>
             <a:fld id="{48A87A34-81AB-432B-8DAE-1953F412C126}" type="datetimeFigureOut">
               <a:rPr lang="en-US" dirty="0"/>
-              <a:t>3/15/21</a:t>
+              <a:t>3/16/21</a:t>
             </a:fld>
             <a:endParaRPr lang="en-US" dirty="0"/>
           </a:p>
@@ -3026,7 +3032,7 @@
           <a:p>
             <a:fld id="{48A87A34-81AB-432B-8DAE-1953F412C126}" type="datetimeFigureOut">
               <a:rPr lang="en-US" dirty="0"/>
-              <a:t>3/15/21</a:t>
+              <a:t>3/16/21</a:t>
             </a:fld>
             <a:endParaRPr lang="en-US" dirty="0"/>
           </a:p>
@@ -3245,7 +3251,7 @@
             <a:fld id="{48A87A34-81AB-432B-8DAE-1953F412C126}" type="datetimeFigureOut">
               <a:rPr lang="en-US" dirty="0"/>
               <a:pPr/>
-              <a:t>3/15/21</a:t>
+              <a:t>3/16/21</a:t>
             </a:fld>
             <a:endParaRPr lang="en-US" dirty="0"/>
           </a:p>
@@ -3420,7 +3426,7 @@
           <a:p>
             <a:fld id="{48A87A34-81AB-432B-8DAE-1953F412C126}" type="datetimeFigureOut">
               <a:rPr lang="en-US" dirty="0"/>
-              <a:t>3/15/21</a:t>
+              <a:t>3/16/21</a:t>
             </a:fld>
             <a:endParaRPr lang="en-US" dirty="0"/>
           </a:p>
@@ -3705,7 +3711,7 @@
             <a:fld id="{48A87A34-81AB-432B-8DAE-1953F412C126}" type="datetimeFigureOut">
               <a:rPr lang="en-US" dirty="0"/>
               <a:pPr/>
-              <a:t>3/15/21</a:t>
+              <a:t>3/16/21</a:t>
             </a:fld>
             <a:endParaRPr lang="en-US" dirty="0"/>
           </a:p>
@@ -3942,7 +3948,7 @@
           <a:p>
             <a:fld id="{48A87A34-81AB-432B-8DAE-1953F412C126}" type="datetimeFigureOut">
               <a:rPr lang="en-US" dirty="0"/>
-              <a:t>3/15/21</a:t>
+              <a:t>3/16/21</a:t>
             </a:fld>
             <a:endParaRPr lang="en-US" dirty="0"/>
           </a:p>
@@ -4316,7 +4322,7 @@
           <a:p>
             <a:fld id="{48A87A34-81AB-432B-8DAE-1953F412C126}" type="datetimeFigureOut">
               <a:rPr lang="en-US" dirty="0"/>
-              <a:t>3/15/21</a:t>
+              <a:t>3/16/21</a:t>
             </a:fld>
             <a:endParaRPr lang="en-US" dirty="0"/>
           </a:p>
@@ -4429,7 +4435,7 @@
           <a:p>
             <a:fld id="{48A87A34-81AB-432B-8DAE-1953F412C126}" type="datetimeFigureOut">
               <a:rPr lang="en-US" dirty="0"/>
-              <a:t>3/15/21</a:t>
+              <a:t>3/16/21</a:t>
             </a:fld>
             <a:endParaRPr lang="en-US" dirty="0"/>
           </a:p>
@@ -4519,7 +4525,7 @@
           <a:p>
             <a:fld id="{48A87A34-81AB-432B-8DAE-1953F412C126}" type="datetimeFigureOut">
               <a:rPr lang="en-US" dirty="0"/>
-              <a:t>3/15/21</a:t>
+              <a:t>3/16/21</a:t>
             </a:fld>
             <a:endParaRPr lang="en-US" dirty="0"/>
           </a:p>
@@ -4763,7 +4769,7 @@
           <a:p>
             <a:fld id="{48A87A34-81AB-432B-8DAE-1953F412C126}" type="datetimeFigureOut">
               <a:rPr lang="en-US" dirty="0"/>
-              <a:t>3/15/21</a:t>
+              <a:t>3/16/21</a:t>
             </a:fld>
             <a:endParaRPr lang="en-US" dirty="0"/>
           </a:p>
@@ -5015,7 +5021,7 @@
           <a:p>
             <a:fld id="{48A87A34-81AB-432B-8DAE-1953F412C126}" type="datetimeFigureOut">
               <a:rPr lang="en-US" dirty="0"/>
-              <a:t>3/15/21</a:t>
+              <a:t>3/16/21</a:t>
             </a:fld>
             <a:endParaRPr lang="en-US" dirty="0"/>
           </a:p>
@@ -5254,7 +5260,7 @@
             <a:fld id="{48A87A34-81AB-432B-8DAE-1953F412C126}" type="datetimeFigureOut">
               <a:rPr lang="en-US" dirty="0"/>
               <a:pPr/>
-              <a:t>3/15/21</a:t>
+              <a:t>3/16/21</a:t>
             </a:fld>
             <a:endParaRPr lang="en-US" dirty="0"/>
           </a:p>
@@ -5687,8 +5693,8 @@
         </p:nvSpPr>
         <p:spPr>
           <a:xfrm>
-            <a:off x="6096000" y="467833"/>
-            <a:ext cx="4724400" cy="2509283"/>
+            <a:off x="6096000" y="1289197"/>
+            <a:ext cx="4724400" cy="2435637"/>
           </a:xfrm>
         </p:spPr>
         <p:txBody>
@@ -5725,8 +5731,8 @@
         </p:nvSpPr>
         <p:spPr>
           <a:xfrm>
-            <a:off x="6096000" y="3232298"/>
-            <a:ext cx="4724400" cy="1105786"/>
+            <a:off x="6096000" y="4311659"/>
+            <a:ext cx="4724400" cy="542729"/>
           </a:xfrm>
         </p:spPr>
         <p:txBody>
@@ -6024,7 +6030,7 @@
         </p:blipFill>
         <p:spPr>
           <a:xfrm>
-            <a:off x="1898650" y="2288381"/>
+            <a:off x="1898650" y="2105501"/>
             <a:ext cx="8394700" cy="3835400"/>
           </a:xfrm>
           <a:prstGeom prst="roundRect">
@@ -6117,13 +6123,8 @@
             <a:pPr algn="ctr"/>
             <a:r>
               <a:rPr lang="en-US" dirty="0"/>
-              <a:t>Process of </a:t>
-            </a:r>
-            <a:r>
-              <a:rPr lang="en-US" dirty="0" err="1"/>
-              <a:t>CommunicATION</a:t>
-            </a:r>
-            <a:endParaRPr lang="en-US" dirty="0"/>
+              <a:t>Process of Communication</a:t>
+            </a:r>
           </a:p>
         </p:txBody>
       </p:sp>
@@ -6203,203 +6204,36 @@
           <a:chExt cx="0" cy="0"/>
         </a:xfrm>
       </p:grpSpPr>
-      <p:sp>
-        <p:nvSpPr>
-          <p:cNvPr id="2" name="Title 1">
+      <p:pic>
+        <p:nvPicPr>
+          <p:cNvPr id="13" name="Picture 12">
             <a:extLst>
               <a:ext uri="{FF2B5EF4-FFF2-40B4-BE49-F238E27FC236}">
-                <a16:creationId xmlns:a16="http://schemas.microsoft.com/office/drawing/2014/main" id="{C2C22DD0-1624-6345-A140-50C594ACA533}"/>
+                <a16:creationId xmlns:a16="http://schemas.microsoft.com/office/drawing/2014/main" id="{3F6BAE8F-3029-1041-8AE8-A9F78DA6E409}"/>
               </a:ext>
             </a:extLst>
           </p:cNvPr>
-          <p:cNvSpPr>
-            <a:spLocks noGrp="1"/>
-          </p:cNvSpPr>
-          <p:nvPr>
-            <p:ph type="title"/>
-          </p:nvPr>
-        </p:nvSpPr>
-        <p:spPr>
-          <a:xfrm>
-            <a:off x="685800" y="753532"/>
-            <a:ext cx="10820400" cy="820087"/>
-          </a:xfrm>
-        </p:spPr>
-        <p:txBody>
-          <a:bodyPr/>
-          <a:lstStyle/>
-          <a:p>
-            <a:pPr algn="ctr"/>
-            <a:r>
-              <a:rPr lang="en-US" dirty="0"/>
-              <a:t>Technologies</a:t>
-            </a:r>
-          </a:p>
-        </p:txBody>
-      </p:sp>
-      <p:sp>
-        <p:nvSpPr>
-          <p:cNvPr id="3" name="Text Placeholder 2">
-            <a:extLst>
-              <a:ext uri="{FF2B5EF4-FFF2-40B4-BE49-F238E27FC236}">
-                <a16:creationId xmlns:a16="http://schemas.microsoft.com/office/drawing/2014/main" id="{04DD93C0-9669-014A-9819-EAB983EE2A19}"/>
-              </a:ext>
-            </a:extLst>
-          </p:cNvPr>
-          <p:cNvSpPr>
-            <a:spLocks noGrp="1"/>
-          </p:cNvSpPr>
-          <p:nvPr>
-            <p:ph type="body" sz="half" idx="2"/>
-          </p:nvPr>
-        </p:nvSpPr>
-        <p:spPr>
-          <a:xfrm>
-            <a:off x="1024467" y="1913861"/>
-            <a:ext cx="10130516" cy="2734340"/>
-          </a:xfrm>
-        </p:spPr>
-        <p:txBody>
-          <a:bodyPr numCol="2" anchor="t">
-            <a:normAutofit lnSpcReduction="10000"/>
-          </a:bodyPr>
-          <a:lstStyle/>
-          <a:p>
-            <a:pPr marL="285750" indent="-285750">
-              <a:buFont typeface="Arial" panose="020B0604020202020204" pitchFamily="34" charset="0"/>
-              <a:buChar char="•"/>
-            </a:pPr>
-            <a:r>
-              <a:rPr lang="en-US" dirty="0"/>
-              <a:t>HTML					</a:t>
-            </a:r>
-          </a:p>
-          <a:p>
-            <a:pPr marL="285750" indent="-285750">
-              <a:buFont typeface="Arial" panose="020B0604020202020204" pitchFamily="34" charset="0"/>
-              <a:buChar char="•"/>
-            </a:pPr>
-            <a:r>
-              <a:rPr lang="en-US" dirty="0"/>
-              <a:t>CSS</a:t>
-            </a:r>
-          </a:p>
-          <a:p>
-            <a:pPr marL="285750" indent="-285750">
-              <a:buFont typeface="Arial" panose="020B0604020202020204" pitchFamily="34" charset="0"/>
-              <a:buChar char="•"/>
-            </a:pPr>
-            <a:r>
-              <a:rPr lang="en-US" dirty="0"/>
-              <a:t>JAVASCRIPT</a:t>
-            </a:r>
-          </a:p>
-          <a:p>
-            <a:pPr marL="285750" indent="-285750">
-              <a:buFont typeface="Arial" panose="020B0604020202020204" pitchFamily="34" charset="0"/>
-              <a:buChar char="•"/>
-            </a:pPr>
-            <a:r>
-              <a:rPr lang="en-US" dirty="0"/>
-              <a:t>JAVA</a:t>
-            </a:r>
-          </a:p>
-          <a:p>
-            <a:pPr marL="285750" indent="-285750">
-              <a:buFont typeface="Arial" panose="020B0604020202020204" pitchFamily="34" charset="0"/>
-              <a:buChar char="•"/>
-            </a:pPr>
-            <a:r>
-              <a:rPr lang="en-US" dirty="0"/>
-              <a:t>PYTHON</a:t>
-            </a:r>
-          </a:p>
-          <a:p>
-            <a:pPr marL="285750" indent="-285750">
-              <a:buFont typeface="Arial" panose="020B0604020202020204" pitchFamily="34" charset="0"/>
-              <a:buChar char="•"/>
-            </a:pPr>
-            <a:r>
-              <a:rPr lang="en-US" dirty="0"/>
-              <a:t>GITHUB</a:t>
-            </a:r>
-          </a:p>
-          <a:p>
-            <a:pPr marL="285750" indent="-285750">
-              <a:buFont typeface="Arial" panose="020B0604020202020204" pitchFamily="34" charset="0"/>
-              <a:buChar char="•"/>
-            </a:pPr>
-            <a:r>
-              <a:rPr lang="en-US" dirty="0"/>
-              <a:t>ECLIPSE</a:t>
-            </a:r>
-          </a:p>
-          <a:p>
-            <a:pPr marL="285750" indent="-285750">
-              <a:buFont typeface="Arial" panose="020B0604020202020204" pitchFamily="34" charset="0"/>
-              <a:buChar char="•"/>
-            </a:pPr>
-            <a:r>
-              <a:rPr lang="en-US" dirty="0"/>
-              <a:t>C/C++</a:t>
-            </a:r>
-          </a:p>
-          <a:p>
-            <a:pPr marL="285750" indent="-285750">
-              <a:buFont typeface="Arial" panose="020B0604020202020204" pitchFamily="34" charset="0"/>
-              <a:buChar char="•"/>
-            </a:pPr>
-            <a:r>
-              <a:rPr lang="en-US" dirty="0"/>
-              <a:t>PHP DEVELOPMENT TOOLS</a:t>
-            </a:r>
-          </a:p>
-          <a:p>
-            <a:pPr marL="285750" indent="-285750">
-              <a:buFont typeface="Arial" panose="020B0604020202020204" pitchFamily="34" charset="0"/>
-              <a:buChar char="•"/>
-            </a:pPr>
-            <a:r>
-              <a:rPr lang="en-US" dirty="0"/>
-              <a:t>REACT </a:t>
-            </a:r>
-          </a:p>
-          <a:p>
-            <a:pPr marL="285750" indent="-285750">
-              <a:buFont typeface="Arial" panose="020B0604020202020204" pitchFamily="34" charset="0"/>
-              <a:buChar char="•"/>
-            </a:pPr>
-            <a:r>
-              <a:rPr lang="en-US" dirty="0"/>
-              <a:t>FIREBASE</a:t>
-            </a:r>
-          </a:p>
-          <a:p>
-            <a:pPr marL="285750" indent="-285750">
-              <a:buFont typeface="Arial" panose="020B0604020202020204" pitchFamily="34" charset="0"/>
-              <a:buChar char="•"/>
-            </a:pPr>
-            <a:endParaRPr lang="en-US" dirty="0"/>
-          </a:p>
-          <a:p>
-            <a:pPr marL="285750" indent="-285750">
-              <a:buFont typeface="Arial" panose="020B0604020202020204" pitchFamily="34" charset="0"/>
-              <a:buChar char="•"/>
-            </a:pPr>
-            <a:endParaRPr lang="en-US" dirty="0"/>
-          </a:p>
-          <a:p>
-            <a:endParaRPr lang="en-US" dirty="0"/>
-          </a:p>
-          <a:p>
-            <a:pPr marL="285750" indent="-285750">
-              <a:buFont typeface="Arial" panose="020B0604020202020204" pitchFamily="34" charset="0"/>
-              <a:buChar char="•"/>
-            </a:pPr>
-            <a:endParaRPr lang="en-US" dirty="0"/>
-          </a:p>
-        </p:txBody>
-      </p:sp>
+          <p:cNvPicPr>
+            <a:picLocks noChangeAspect="1"/>
+          </p:cNvPicPr>
+          <p:nvPr/>
+        </p:nvPicPr>
+        <p:blipFill>
+          <a:blip r:embed="rId2"/>
+          <a:stretch>
+            <a:fillRect/>
+          </a:stretch>
+        </p:blipFill>
+        <p:spPr>
+          <a:xfrm>
+            <a:off x="311426" y="0"/>
+            <a:ext cx="11569147" cy="4382604"/>
+          </a:xfrm>
+          <a:prstGeom prst="rect">
+            <a:avLst/>
+          </a:prstGeom>
+        </p:spPr>
+      </p:pic>
     </p:spTree>
     <p:extLst>
       <p:ext uri="{BB962C8B-B14F-4D97-AF65-F5344CB8AC3E}">
@@ -6488,6 +6322,193 @@
     <p:extLst>
       <p:ext uri="{BB962C8B-B14F-4D97-AF65-F5344CB8AC3E}">
         <p14:creationId xmlns:p14="http://schemas.microsoft.com/office/powerpoint/2010/main" val="1652309703"/>
+      </p:ext>
+    </p:extLst>
+  </p:cSld>
+  <p:clrMapOvr>
+    <a:masterClrMapping/>
+  </p:clrMapOvr>
+</p:sld>
+</file>
+
+<file path=ppt/slides/slide6.xml><?xml version="1.0" encoding="utf-8"?>
+<p:sld xmlns:a="http://schemas.openxmlformats.org/drawingml/2006/main" xmlns:r="http://schemas.openxmlformats.org/officeDocument/2006/relationships" xmlns:p="http://schemas.openxmlformats.org/presentationml/2006/main">
+  <p:cSld>
+    <p:bg>
+      <p:bgPr>
+        <a:solidFill>
+          <a:schemeClr val="bg1"/>
+        </a:solidFill>
+        <a:effectLst/>
+      </p:bgPr>
+    </p:bg>
+    <p:spTree>
+      <p:nvGrpSpPr>
+        <p:cNvPr id="1" name=""/>
+        <p:cNvGrpSpPr/>
+        <p:nvPr/>
+      </p:nvGrpSpPr>
+      <p:grpSpPr>
+        <a:xfrm>
+          <a:off x="0" y="0"/>
+          <a:ext cx="0" cy="0"/>
+          <a:chOff x="0" y="0"/>
+          <a:chExt cx="0" cy="0"/>
+        </a:xfrm>
+      </p:grpSpPr>
+      <p:pic>
+        <p:nvPicPr>
+          <p:cNvPr id="17" name="Picture 16">
+            <a:extLst>
+              <a:ext uri="{FF2B5EF4-FFF2-40B4-BE49-F238E27FC236}">
+                <a16:creationId xmlns:a16="http://schemas.microsoft.com/office/drawing/2014/main" id="{95DD5BC2-A8E7-4CAD-955A-3807355EC977}"/>
+              </a:ext>
+              <a:ext uri="{C183D7F6-B498-43B3-948B-1728B52AA6E4}">
+                <adec:decorative xmlns:adec="http://schemas.microsoft.com/office/drawing/2017/decorative" val="1"/>
+              </a:ext>
+            </a:extLst>
+          </p:cNvPr>
+          <p:cNvPicPr>
+            <a:picLocks noGrp="1" noRot="1" noChangeAspect="1" noMove="1" noResize="1" noEditPoints="1" noAdjustHandles="1" noChangeArrowheads="1" noChangeShapeType="1" noCrop="1"/>
+          </p:cNvPicPr>
+          <p:nvPr>
+            <p:extLst>
+              <p:ext uri="{386F3935-93C4-4BCD-93E2-E3B085C9AB24}">
+                <p16:designElem xmlns:p16="http://schemas.microsoft.com/office/powerpoint/2015/main" val="1"/>
+              </p:ext>
+            </p:extLst>
+          </p:nvPr>
+        </p:nvPicPr>
+        <p:blipFill>
+          <a:blip r:embed="rId2">
+            <a:extLst>
+              <a:ext uri="{28A0092B-C50C-407E-A947-70E740481C1C}">
+                <a14:useLocalDpi xmlns:a14="http://schemas.microsoft.com/office/drawing/2010/main" val="0"/>
+              </a:ext>
+            </a:extLst>
+          </a:blip>
+          <a:stretch>
+            <a:fillRect/>
+          </a:stretch>
+        </p:blipFill>
+        <p:spPr>
+          <a:xfrm>
+            <a:off x="0" y="0"/>
+            <a:ext cx="12192000" cy="1441450"/>
+          </a:xfrm>
+          <a:prstGeom prst="rect">
+            <a:avLst/>
+          </a:prstGeom>
+        </p:spPr>
+      </p:pic>
+      <p:sp>
+        <p:nvSpPr>
+          <p:cNvPr id="19" name="Rounded Rectangle 11">
+            <a:extLst>
+              <a:ext uri="{FF2B5EF4-FFF2-40B4-BE49-F238E27FC236}">
+                <a16:creationId xmlns:a16="http://schemas.microsoft.com/office/drawing/2014/main" id="{2770B5F4-AED0-4A3A-859D-B6239ED38A3B}"/>
+              </a:ext>
+              <a:ext uri="{C183D7F6-B498-43B3-948B-1728B52AA6E4}">
+                <adec:decorative xmlns:adec="http://schemas.microsoft.com/office/drawing/2017/decorative" val="1"/>
+              </a:ext>
+            </a:extLst>
+          </p:cNvPr>
+          <p:cNvSpPr>
+            <a:spLocks noGrp="1" noRot="1" noChangeAspect="1" noMove="1" noResize="1" noEditPoints="1" noAdjustHandles="1" noChangeArrowheads="1" noChangeShapeType="1" noTextEdit="1"/>
+          </p:cNvSpPr>
+          <p:nvPr>
+            <p:extLst>
+              <p:ext uri="{386F3935-93C4-4BCD-93E2-E3B085C9AB24}">
+                <p16:designElem xmlns:p16="http://schemas.microsoft.com/office/powerpoint/2015/main" val="1"/>
+              </p:ext>
+            </p:extLst>
+          </p:nvPr>
+        </p:nvSpPr>
+        <p:spPr>
+          <a:xfrm>
+            <a:off x="643403" y="643464"/>
+            <a:ext cx="10905195" cy="5571072"/>
+          </a:xfrm>
+          <a:prstGeom prst="roundRect">
+            <a:avLst>
+              <a:gd name="adj" fmla="val 2403"/>
+            </a:avLst>
+          </a:prstGeom>
+          <a:solidFill>
+            <a:srgbClr val="FFFFFF"/>
+          </a:solidFill>
+          <a:ln>
+            <a:noFill/>
+          </a:ln>
+          <a:effectLst>
+            <a:innerShdw blurRad="114300">
+              <a:prstClr val="black"/>
+            </a:innerShdw>
+          </a:effectLst>
+        </p:spPr>
+        <p:style>
+          <a:lnRef idx="2">
+            <a:schemeClr val="accent1">
+              <a:shade val="50000"/>
+            </a:schemeClr>
+          </a:lnRef>
+          <a:fillRef idx="1">
+            <a:schemeClr val="accent1"/>
+          </a:fillRef>
+          <a:effectRef idx="0">
+            <a:schemeClr val="accent1"/>
+          </a:effectRef>
+          <a:fontRef idx="minor">
+            <a:schemeClr val="lt1"/>
+          </a:fontRef>
+        </p:style>
+        <p:txBody>
+          <a:bodyPr rtlCol="0" anchor="ctr"/>
+          <a:lstStyle/>
+          <a:p>
+            <a:pPr algn="ctr"/>
+            <a:endParaRPr lang="en-US"/>
+          </a:p>
+        </p:txBody>
+      </p:sp>
+      <p:pic>
+        <p:nvPicPr>
+          <p:cNvPr id="7" name="Picture 6">
+            <a:extLst>
+              <a:ext uri="{FF2B5EF4-FFF2-40B4-BE49-F238E27FC236}">
+                <a16:creationId xmlns:a16="http://schemas.microsoft.com/office/drawing/2014/main" id="{00036E3F-F50E-E148-A2CD-AE28AF8E0C84}"/>
+              </a:ext>
+            </a:extLst>
+          </p:cNvPr>
+          <p:cNvPicPr>
+            <a:picLocks noChangeAspect="1"/>
+          </p:cNvPicPr>
+          <p:nvPr/>
+        </p:nvPicPr>
+        <p:blipFill>
+          <a:blip r:embed="rId3"/>
+          <a:stretch>
+            <a:fillRect/>
+          </a:stretch>
+        </p:blipFill>
+        <p:spPr>
+          <a:xfrm>
+            <a:off x="827649" y="712111"/>
+            <a:ext cx="10536701" cy="5433778"/>
+          </a:xfrm>
+          <a:prstGeom prst="rect">
+            <a:avLst/>
+          </a:prstGeom>
+          <a:ln w="31750" cap="sq">
+            <a:noFill/>
+            <a:miter lim="800000"/>
+          </a:ln>
+        </p:spPr>
+      </p:pic>
+    </p:spTree>
+    <p:extLst>
+      <p:ext uri="{BB962C8B-B14F-4D97-AF65-F5344CB8AC3E}">
+        <p14:creationId xmlns:p14="http://schemas.microsoft.com/office/powerpoint/2010/main" val="4015638430"/>
       </p:ext>
     </p:extLst>
   </p:cSld>

--- a/Presentation/RAILWAY Presentation1.pptx
+++ b/Presentation/RAILWAY Presentation1.pptx
@@ -5693,9 +5693,14 @@
         </p:nvSpPr>
         <p:spPr>
           <a:xfrm>
-            <a:off x="6096000" y="1289197"/>
-            <a:ext cx="4724400" cy="2435637"/>
-          </a:xfrm>
+            <a:off x="7961243" y="673240"/>
+            <a:ext cx="4181590" cy="3446373"/>
+          </a:xfrm>
+          <a:noFill/>
+          <a:ln w="19050">
+            <a:noFill/>
+            <a:prstDash val="dash"/>
+          </a:ln>
         </p:spPr>
         <p:txBody>
           <a:bodyPr>
@@ -5705,7 +5710,7 @@
           <a:p>
             <a:pPr algn="ctr"/>
             <a:r>
-              <a:rPr lang="en-US" sz="5100" i="1" dirty="0">
+              <a:rPr lang="en-US" sz="4400" i="1" dirty="0">
                 <a:latin typeface="Bodoni 72 Oldstyle Book" pitchFamily="2" charset="0"/>
               </a:rPr>
               <a:t>Tracking Prediction system </a:t>
@@ -5731,9 +5736,14 @@
         </p:nvSpPr>
         <p:spPr>
           <a:xfrm>
-            <a:off x="6096000" y="4311659"/>
-            <a:ext cx="4724400" cy="542729"/>
-          </a:xfrm>
+            <a:off x="8536276" y="4709550"/>
+            <a:ext cx="3031524" cy="1263548"/>
+          </a:xfrm>
+          <a:noFill/>
+          <a:ln w="19050">
+            <a:noFill/>
+            <a:prstDash val="dash"/>
+          </a:ln>
         </p:spPr>
         <p:txBody>
           <a:bodyPr>
@@ -5746,13 +5756,7 @@
               <a:rPr lang="en-US" i="1" dirty="0">
                 <a:latin typeface="Bodoni 72 Oldstyle Book" pitchFamily="2" charset="0"/>
               </a:rPr>
-              <a:t>Ohio </a:t>
-            </a:r>
-            <a:r>
-              <a:rPr lang="en-US" sz="2400" i="1" dirty="0">
-                <a:latin typeface="Bodoni 72 Oldstyle Book" pitchFamily="2" charset="0"/>
-              </a:rPr>
-              <a:t>Transportation</a:t>
+              <a:t>Ohio Transportation</a:t>
             </a:r>
           </a:p>
         </p:txBody>
@@ -5773,13 +5777,13 @@
         </p:nvPicPr>
         <p:blipFill rotWithShape="1">
           <a:blip r:embed="rId2"/>
-          <a:srcRect r="3" b="3"/>
+          <a:srcRect t="7589" r="2" b="4425"/>
           <a:stretch/>
         </p:blipFill>
         <p:spPr>
           <a:xfrm>
-            <a:off x="2292263" y="1289198"/>
-            <a:ext cx="3643043" cy="3886200"/>
+            <a:off x="2405" y="10"/>
+            <a:ext cx="7794245" cy="6857990"/>
           </a:xfrm>
           <a:prstGeom prst="rect">
             <a:avLst/>
@@ -5801,6 +5805,132 @@
           </a:sp3d>
         </p:spPr>
       </p:pic>
+      <p:sp>
+        <p:nvSpPr>
+          <p:cNvPr id="10" name="Rectangle 9">
+            <a:extLst>
+              <a:ext uri="{FF2B5EF4-FFF2-40B4-BE49-F238E27FC236}">
+                <a16:creationId xmlns:a16="http://schemas.microsoft.com/office/drawing/2014/main" id="{2DFFD9D3-0E77-42C3-B89D-A987E7760A5E}"/>
+              </a:ext>
+              <a:ext uri="{C183D7F6-B498-43B3-948B-1728B52AA6E4}">
+                <adec:decorative xmlns:adec="http://schemas.microsoft.com/office/drawing/2017/decorative" val="1"/>
+              </a:ext>
+            </a:extLst>
+          </p:cNvPr>
+          <p:cNvSpPr>
+            <a:spLocks noGrp="1" noRot="1" noChangeAspect="1" noMove="1" noResize="1" noEditPoints="1" noAdjustHandles="1" noChangeArrowheads="1" noChangeShapeType="1" noTextEdit="1"/>
+          </p:cNvSpPr>
+          <p:nvPr>
+            <p:extLst>
+              <p:ext uri="{386F3935-93C4-4BCD-93E2-E3B085C9AB24}">
+                <p16:designElem xmlns:p16="http://schemas.microsoft.com/office/powerpoint/2015/main" val="1"/>
+              </p:ext>
+            </p:extLst>
+          </p:nvPr>
+        </p:nvSpPr>
+        <p:spPr>
+          <a:xfrm>
+            <a:off x="7946782" y="-1"/>
+            <a:ext cx="4245218" cy="536715"/>
+          </a:xfrm>
+          <a:prstGeom prst="rect">
+            <a:avLst/>
+          </a:prstGeom>
+          <a:solidFill>
+            <a:schemeClr val="bg1"/>
+          </a:solidFill>
+          <a:ln>
+            <a:noFill/>
+          </a:ln>
+        </p:spPr>
+        <p:style>
+          <a:lnRef idx="2">
+            <a:schemeClr val="accent1">
+              <a:shade val="50000"/>
+            </a:schemeClr>
+          </a:lnRef>
+          <a:fillRef idx="1">
+            <a:schemeClr val="accent1"/>
+          </a:fillRef>
+          <a:effectRef idx="0">
+            <a:schemeClr val="accent1"/>
+          </a:effectRef>
+          <a:fontRef idx="minor">
+            <a:schemeClr val="lt1"/>
+          </a:fontRef>
+        </p:style>
+        <p:txBody>
+          <a:bodyPr rtlCol="0" anchor="ctr"/>
+          <a:lstStyle/>
+          <a:p>
+            <a:pPr algn="ctr"/>
+            <a:endParaRPr lang="en-US"/>
+          </a:p>
+        </p:txBody>
+      </p:sp>
+      <p:sp>
+        <p:nvSpPr>
+          <p:cNvPr id="12" name="Rectangle 11">
+            <a:extLst>
+              <a:ext uri="{FF2B5EF4-FFF2-40B4-BE49-F238E27FC236}">
+                <a16:creationId xmlns:a16="http://schemas.microsoft.com/office/drawing/2014/main" id="{3C48F185-A6F4-40C2-A466-5CB3F23F2F48}"/>
+              </a:ext>
+              <a:ext uri="{C183D7F6-B498-43B3-948B-1728B52AA6E4}">
+                <adec:decorative xmlns:adec="http://schemas.microsoft.com/office/drawing/2017/decorative" val="1"/>
+              </a:ext>
+            </a:extLst>
+          </p:cNvPr>
+          <p:cNvSpPr>
+            <a:spLocks noGrp="1" noRot="1" noChangeAspect="1" noMove="1" noResize="1" noEditPoints="1" noAdjustHandles="1" noChangeArrowheads="1" noChangeShapeType="1" noTextEdit="1"/>
+          </p:cNvSpPr>
+          <p:nvPr>
+            <p:extLst>
+              <p:ext uri="{386F3935-93C4-4BCD-93E2-E3B085C9AB24}">
+                <p16:designElem xmlns:p16="http://schemas.microsoft.com/office/powerpoint/2015/main" val="1"/>
+              </p:ext>
+            </p:extLst>
+          </p:nvPr>
+        </p:nvSpPr>
+        <p:spPr>
+          <a:xfrm>
+            <a:off x="7796651" y="0"/>
+            <a:ext cx="164592" cy="6858000"/>
+          </a:xfrm>
+          <a:prstGeom prst="rect">
+            <a:avLst/>
+          </a:prstGeom>
+          <a:solidFill>
+            <a:schemeClr val="bg1"/>
+          </a:solidFill>
+          <a:ln>
+            <a:noFill/>
+          </a:ln>
+        </p:spPr>
+        <p:style>
+          <a:lnRef idx="2">
+            <a:schemeClr val="accent1">
+              <a:shade val="50000"/>
+            </a:schemeClr>
+          </a:lnRef>
+          <a:fillRef idx="1">
+            <a:schemeClr val="accent1"/>
+          </a:fillRef>
+          <a:effectRef idx="0">
+            <a:schemeClr val="accent1"/>
+          </a:effectRef>
+          <a:fontRef idx="minor">
+            <a:schemeClr val="lt1"/>
+          </a:fontRef>
+        </p:style>
+        <p:txBody>
+          <a:bodyPr rtlCol="0" anchor="ctr"/>
+          <a:lstStyle/>
+          <a:p>
+            <a:pPr algn="ctr"/>
+            <a:endParaRPr lang="en-US"/>
+          </a:p>
+        </p:txBody>
+      </p:sp>
     </p:spTree>
     <p:extLst>
       <p:ext uri="{BB962C8B-B14F-4D97-AF65-F5344CB8AC3E}">
